--- a/CS112_Group2.pptx
+++ b/CS112_Group2.pptx
@@ -5,7 +5,7 @@
     <p:sldMasterId id="2147483708" r:id="rId1"/>
   </p:sldMasterIdLst>
   <p:notesMasterIdLst>
-    <p:notesMasterId r:id="rId19"/>
+    <p:notesMasterId r:id="rId20"/>
   </p:notesMasterIdLst>
   <p:sldIdLst>
     <p:sldId id="256" r:id="rId2"/>
@@ -22,9 +22,10 @@
     <p:sldId id="264" r:id="rId13"/>
     <p:sldId id="265" r:id="rId14"/>
     <p:sldId id="266" r:id="rId15"/>
-    <p:sldId id="260" r:id="rId16"/>
-    <p:sldId id="272" r:id="rId17"/>
-    <p:sldId id="274" r:id="rId18"/>
+    <p:sldId id="275" r:id="rId16"/>
+    <p:sldId id="260" r:id="rId17"/>
+    <p:sldId id="272" r:id="rId18"/>
+    <p:sldId id="274" r:id="rId19"/>
   </p:sldIdLst>
   <p:sldSz cx="9144000" cy="6858000" type="screen4x3"/>
   <p:notesSz cx="6858000" cy="9144000"/>
@@ -142,6 +143,7 @@
             <p14:sldId id="264"/>
             <p14:sldId id="265"/>
             <p14:sldId id="266"/>
+            <p14:sldId id="275"/>
             <p14:sldId id="260"/>
             <p14:sldId id="272"/>
             <p14:sldId id="274"/>
@@ -275,7 +277,7 @@
           <a:p>
             <a:fld id="{54E49A39-F842-424B-8FAA-05374F36CBAB}" type="datetimeFigureOut">
               <a:rPr lang="en-US" smtClean="0"/>
-              <a:t>3/22/2021</a:t>
+              <a:t>3/23/2021</a:t>
             </a:fld>
             <a:endParaRPr lang="en-US"/>
           </a:p>
@@ -1095,7 +1097,7 @@
           <a:p>
             <a:fld id="{06D6F86B-E3C3-428D-BE8E-77D791D87B59}" type="datetimeFigureOut">
               <a:rPr lang="en-US" smtClean="0"/>
-              <a:t>3/22/2021</a:t>
+              <a:t>3/23/2021</a:t>
             </a:fld>
             <a:endParaRPr lang="en-US"/>
           </a:p>
@@ -1283,7 +1285,7 @@
           <a:p>
             <a:fld id="{06D6F86B-E3C3-428D-BE8E-77D791D87B59}" type="datetimeFigureOut">
               <a:rPr lang="en-US" smtClean="0"/>
-              <a:t>3/22/2021</a:t>
+              <a:t>3/23/2021</a:t>
             </a:fld>
             <a:endParaRPr lang="en-US"/>
           </a:p>
@@ -1481,7 +1483,7 @@
           <a:p>
             <a:fld id="{06D6F86B-E3C3-428D-BE8E-77D791D87B59}" type="datetimeFigureOut">
               <a:rPr lang="en-US" smtClean="0"/>
-              <a:t>3/22/2021</a:t>
+              <a:t>3/23/2021</a:t>
             </a:fld>
             <a:endParaRPr lang="en-US"/>
           </a:p>
@@ -1669,7 +1671,7 @@
           <a:p>
             <a:fld id="{06D6F86B-E3C3-428D-BE8E-77D791D87B59}" type="datetimeFigureOut">
               <a:rPr lang="en-US" smtClean="0"/>
-              <a:t>3/22/2021</a:t>
+              <a:t>3/23/2021</a:t>
             </a:fld>
             <a:endParaRPr lang="en-US"/>
           </a:p>
@@ -1879,7 +1881,7 @@
           <a:p>
             <a:fld id="{06D6F86B-E3C3-428D-BE8E-77D791D87B59}" type="datetimeFigureOut">
               <a:rPr lang="en-US" smtClean="0"/>
-              <a:t>3/22/2021</a:t>
+              <a:t>3/23/2021</a:t>
             </a:fld>
             <a:endParaRPr lang="en-US"/>
           </a:p>
@@ -2185,7 +2187,7 @@
           <a:p>
             <a:fld id="{06D6F86B-E3C3-428D-BE8E-77D791D87B59}" type="datetimeFigureOut">
               <a:rPr lang="en-US" smtClean="0"/>
-              <a:t>3/22/2021</a:t>
+              <a:t>3/23/2021</a:t>
             </a:fld>
             <a:endParaRPr lang="en-US"/>
           </a:p>
@@ -2625,7 +2627,7 @@
           <a:p>
             <a:fld id="{06D6F86B-E3C3-428D-BE8E-77D791D87B59}" type="datetimeFigureOut">
               <a:rPr lang="en-US" smtClean="0"/>
-              <a:t>3/22/2021</a:t>
+              <a:t>3/23/2021</a:t>
             </a:fld>
             <a:endParaRPr lang="en-US"/>
           </a:p>
@@ -2761,7 +2763,7 @@
           <a:p>
             <a:fld id="{06D6F86B-E3C3-428D-BE8E-77D791D87B59}" type="datetimeFigureOut">
               <a:rPr lang="en-US" smtClean="0"/>
-              <a:t>3/22/2021</a:t>
+              <a:t>3/23/2021</a:t>
             </a:fld>
             <a:endParaRPr lang="en-US"/>
           </a:p>
@@ -2874,7 +2876,7 @@
           <a:p>
             <a:fld id="{06D6F86B-E3C3-428D-BE8E-77D791D87B59}" type="datetimeFigureOut">
               <a:rPr lang="en-US" smtClean="0"/>
-              <a:t>3/22/2021</a:t>
+              <a:t>3/23/2021</a:t>
             </a:fld>
             <a:endParaRPr lang="en-US"/>
           </a:p>
@@ -3169,7 +3171,7 @@
           <a:p>
             <a:fld id="{06D6F86B-E3C3-428D-BE8E-77D791D87B59}" type="datetimeFigureOut">
               <a:rPr lang="en-US" smtClean="0"/>
-              <a:t>3/22/2021</a:t>
+              <a:t>3/23/2021</a:t>
             </a:fld>
             <a:endParaRPr lang="en-US"/>
           </a:p>
@@ -3445,7 +3447,7 @@
           <a:p>
             <a:fld id="{06D6F86B-E3C3-428D-BE8E-77D791D87B59}" type="datetimeFigureOut">
               <a:rPr lang="en-US" smtClean="0"/>
-              <a:t>3/22/2021</a:t>
+              <a:t>3/23/2021</a:t>
             </a:fld>
             <a:endParaRPr lang="en-US"/>
           </a:p>
@@ -3732,7 +3734,7 @@
           <a:p>
             <a:fld id="{06D6F86B-E3C3-428D-BE8E-77D791D87B59}" type="datetimeFigureOut">
               <a:rPr lang="en-US" smtClean="0"/>
-              <a:t>3/22/2021</a:t>
+              <a:t>3/23/2021</a:t>
             </a:fld>
             <a:endParaRPr lang="en-US"/>
           </a:p>
@@ -7173,7 +7175,17 @@
                             <a:latin typeface="Cambria Math"/>
                             <a:ea typeface="Cambria Math" pitchFamily="18" charset="0"/>
                           </a:rPr>
-                          <m:t>=0</m:t>
+                          <m:t>=</m:t>
+                        </m:r>
+                        <m:r>
+                          <a:rPr lang="en-US" b="0" i="1" smtClean="0">
+                            <a:solidFill>
+                              <a:schemeClr val="tx1"/>
+                            </a:solidFill>
+                            <a:latin typeface="Cambria Math"/>
+                            <a:ea typeface="Cambria Math" pitchFamily="18" charset="0"/>
+                          </a:rPr>
+                          <m:t>0</m:t>
                         </m:r>
                       </m:sub>
                       <m:sup>
@@ -7195,7 +7207,17 @@
                             <a:latin typeface="Cambria Math"/>
                             <a:ea typeface="Cambria Math" pitchFamily="18" charset="0"/>
                           </a:rPr>
-                          <m:t>−1</m:t>
+                          <m:t>−</m:t>
+                        </m:r>
+                        <m:r>
+                          <a:rPr lang="en-US" b="0" i="1" smtClean="0">
+                            <a:solidFill>
+                              <a:schemeClr val="tx1"/>
+                            </a:solidFill>
+                            <a:latin typeface="Cambria Math"/>
+                            <a:ea typeface="Cambria Math" pitchFamily="18" charset="0"/>
+                          </a:rPr>
+                          <m:t>1</m:t>
                         </m:r>
                       </m:sup>
                       <m:e>
@@ -7386,7 +7408,17 @@
                                 <a:latin typeface="Cambria Math"/>
                                 <a:ea typeface="Cambria Math" pitchFamily="18" charset="0"/>
                               </a:rPr>
-                              <m:t>=0</m:t>
+                              <m:t>=</m:t>
+                            </m:r>
+                            <m:r>
+                              <a:rPr lang="en-US" i="1" dirty="0">
+                                <a:solidFill>
+                                  <a:schemeClr val="tx1"/>
+                                </a:solidFill>
+                                <a:latin typeface="Cambria Math"/>
+                                <a:ea typeface="Cambria Math" pitchFamily="18" charset="0"/>
+                              </a:rPr>
+                              <m:t>0</m:t>
                             </m:r>
                           </m:sub>
                           <m:sup>
@@ -7408,7 +7440,17 @@
                                 <a:latin typeface="Cambria Math"/>
                                 <a:ea typeface="Cambria Math" pitchFamily="18" charset="0"/>
                               </a:rPr>
-                              <m:t>−1</m:t>
+                              <m:t>−</m:t>
+                            </m:r>
+                            <m:r>
+                              <a:rPr lang="en-US" i="1" dirty="0">
+                                <a:solidFill>
+                                  <a:schemeClr val="tx1"/>
+                                </a:solidFill>
+                                <a:latin typeface="Cambria Math"/>
+                                <a:ea typeface="Cambria Math" pitchFamily="18" charset="0"/>
+                              </a:rPr>
+                              <m:t>1</m:t>
                             </m:r>
                           </m:sup>
                           <m:e>
@@ -7677,7 +7719,17 @@
                             <a:latin typeface="Cambria Math"/>
                             <a:ea typeface="Cambria Math" pitchFamily="18" charset="0"/>
                           </a:rPr>
-                          <m:t>=0</m:t>
+                          <m:t>=</m:t>
+                        </m:r>
+                        <m:r>
+                          <a:rPr lang="en-US" b="0" i="1" dirty="0" smtClean="0">
+                            <a:solidFill>
+                              <a:schemeClr val="tx1"/>
+                            </a:solidFill>
+                            <a:latin typeface="Cambria Math"/>
+                            <a:ea typeface="Cambria Math" pitchFamily="18" charset="0"/>
+                          </a:rPr>
+                          <m:t>0</m:t>
                         </m:r>
                       </m:sub>
                       <m:sup>
@@ -7699,7 +7751,17 @@
                             <a:latin typeface="Cambria Math"/>
                             <a:ea typeface="Cambria Math" pitchFamily="18" charset="0"/>
                           </a:rPr>
-                          <m:t>−1</m:t>
+                          <m:t>−</m:t>
+                        </m:r>
+                        <m:r>
+                          <a:rPr lang="en-US" b="0" i="1" dirty="0" smtClean="0">
+                            <a:solidFill>
+                              <a:schemeClr val="tx1"/>
+                            </a:solidFill>
+                            <a:latin typeface="Cambria Math"/>
+                            <a:ea typeface="Cambria Math" pitchFamily="18" charset="0"/>
+                          </a:rPr>
+                          <m:t>1</m:t>
                         </m:r>
                       </m:sup>
                       <m:e>
@@ -8048,7 +8110,17 @@
                             <a:latin typeface="Cambria Math"/>
                             <a:ea typeface="Cambria Math" pitchFamily="18" charset="0"/>
                           </a:rPr>
-                          <m:t>−1</m:t>
+                          <m:t>−</m:t>
+                        </m:r>
+                        <m:r>
+                          <a:rPr lang="en-US" b="0" i="1" smtClean="0">
+                            <a:solidFill>
+                              <a:schemeClr val="tx1"/>
+                            </a:solidFill>
+                            <a:latin typeface="Cambria Math"/>
+                            <a:ea typeface="Cambria Math" pitchFamily="18" charset="0"/>
+                          </a:rPr>
+                          <m:t>1</m:t>
                         </m:r>
                       </m:den>
                     </m:f>
@@ -10207,6 +10279,223 @@
       </p:grpSpPr>
       <p:sp>
         <p:nvSpPr>
+          <p:cNvPr id="2" name="Tiêu đề 1">
+            <a:extLst>
+              <a:ext uri="{FF2B5EF4-FFF2-40B4-BE49-F238E27FC236}">
+                <a16:creationId xmlns:a16="http://schemas.microsoft.com/office/drawing/2014/main" id="{CC760180-AB41-420A-91BB-2127920F83DB}"/>
+              </a:ext>
+            </a:extLst>
+          </p:cNvPr>
+          <p:cNvSpPr>
+            <a:spLocks noGrp="1"/>
+          </p:cNvSpPr>
+          <p:nvPr>
+            <p:ph type="title"/>
+          </p:nvPr>
+        </p:nvSpPr>
+        <p:spPr/>
+        <p:txBody>
+          <a:bodyPr/>
+          <a:lstStyle/>
+          <a:p>
+            <a:endParaRPr lang="en-US"/>
+          </a:p>
+        </p:txBody>
+      </p:sp>
+      <p:sp>
+        <p:nvSpPr>
+          <p:cNvPr id="3" name="Chỗ dành sẵn cho Nội dung 2">
+            <a:extLst>
+              <a:ext uri="{FF2B5EF4-FFF2-40B4-BE49-F238E27FC236}">
+                <a16:creationId xmlns:a16="http://schemas.microsoft.com/office/drawing/2014/main" id="{D11B6D7D-4BE5-463B-94B6-02FDC055DEB9}"/>
+              </a:ext>
+            </a:extLst>
+          </p:cNvPr>
+          <p:cNvSpPr>
+            <a:spLocks noGrp="1"/>
+          </p:cNvSpPr>
+          <p:nvPr>
+            <p:ph idx="1"/>
+          </p:nvPr>
+        </p:nvSpPr>
+        <p:spPr/>
+        <p:txBody>
+          <a:bodyPr/>
+          <a:lstStyle/>
+          <a:p>
+            <a:pPr marL="0" indent="0">
+              <a:buNone/>
+            </a:pPr>
+            <a:r>
+              <a:rPr lang="en-US" b="1" dirty="0">
+                <a:solidFill>
+                  <a:schemeClr val="tx1">
+                    <a:lumMod val="65000"/>
+                    <a:lumOff val="35000"/>
+                  </a:schemeClr>
+                </a:solidFill>
+                <a:latin typeface="Cambria Math" pitchFamily="18" charset="0"/>
+                <a:ea typeface="Cambria Math" pitchFamily="18" charset="0"/>
+              </a:rPr>
+              <a:t>Lời </a:t>
+            </a:r>
+            <a:r>
+              <a:rPr lang="en-US" b="1" dirty="0" err="1">
+                <a:solidFill>
+                  <a:schemeClr val="tx1">
+                    <a:lumMod val="65000"/>
+                    <a:lumOff val="35000"/>
+                  </a:schemeClr>
+                </a:solidFill>
+                <a:latin typeface="Cambria Math" pitchFamily="18" charset="0"/>
+                <a:ea typeface="Cambria Math" pitchFamily="18" charset="0"/>
+              </a:rPr>
+              <a:t>giải</a:t>
+            </a:r>
+            <a:r>
+              <a:rPr lang="en-US" b="1" dirty="0">
+                <a:solidFill>
+                  <a:schemeClr val="tx1">
+                    <a:lumMod val="65000"/>
+                    <a:lumOff val="35000"/>
+                  </a:schemeClr>
+                </a:solidFill>
+                <a:latin typeface="Cambria Math" pitchFamily="18" charset="0"/>
+                <a:ea typeface="Cambria Math" pitchFamily="18" charset="0"/>
+              </a:rPr>
+              <a:t> </a:t>
+            </a:r>
+            <a:r>
+              <a:rPr lang="en-US" b="1" dirty="0" err="1">
+                <a:solidFill>
+                  <a:schemeClr val="tx1">
+                    <a:lumMod val="65000"/>
+                    <a:lumOff val="35000"/>
+                  </a:schemeClr>
+                </a:solidFill>
+                <a:latin typeface="Cambria Math" pitchFamily="18" charset="0"/>
+                <a:ea typeface="Cambria Math" pitchFamily="18" charset="0"/>
+              </a:rPr>
+              <a:t>tổng</a:t>
+            </a:r>
+            <a:r>
+              <a:rPr lang="en-US" b="1" dirty="0">
+                <a:solidFill>
+                  <a:schemeClr val="tx1">
+                    <a:lumMod val="65000"/>
+                    <a:lumOff val="35000"/>
+                  </a:schemeClr>
+                </a:solidFill>
+                <a:latin typeface="Cambria Math" pitchFamily="18" charset="0"/>
+                <a:ea typeface="Cambria Math" pitchFamily="18" charset="0"/>
+              </a:rPr>
+              <a:t> </a:t>
+            </a:r>
+            <a:r>
+              <a:rPr lang="en-US" b="1" dirty="0" err="1">
+                <a:solidFill>
+                  <a:schemeClr val="tx1">
+                    <a:lumMod val="65000"/>
+                    <a:lumOff val="35000"/>
+                  </a:schemeClr>
+                </a:solidFill>
+                <a:latin typeface="Cambria Math" pitchFamily="18" charset="0"/>
+                <a:ea typeface="Cambria Math" pitchFamily="18" charset="0"/>
+              </a:rPr>
+              <a:t>quát</a:t>
+            </a:r>
+            <a:endParaRPr lang="en-US" b="1" dirty="0">
+              <a:solidFill>
+                <a:schemeClr val="tx1">
+                  <a:lumMod val="65000"/>
+                  <a:lumOff val="35000"/>
+                </a:schemeClr>
+              </a:solidFill>
+              <a:latin typeface="Cambria Math" pitchFamily="18" charset="0"/>
+              <a:ea typeface="Cambria Math" pitchFamily="18" charset="0"/>
+            </a:endParaRPr>
+          </a:p>
+          <a:p>
+            <a:r>
+              <a:rPr lang="en-US" sz="2800">
+                <a:solidFill>
+                  <a:srgbClr val="0070C0"/>
+                </a:solidFill>
+                <a:latin typeface="Cambria Math" pitchFamily="18" charset="0"/>
+                <a:ea typeface="Cambria Math" pitchFamily="18" charset="0"/>
+              </a:rPr>
+              <a:t>TH </a:t>
+            </a:r>
+            <a:r>
+              <a:rPr lang="vi-VN" sz="2800">
+                <a:solidFill>
+                  <a:srgbClr val="0070C0"/>
+                </a:solidFill>
+                <a:latin typeface="Cambria Math" pitchFamily="18" charset="0"/>
+                <a:ea typeface="Cambria Math" pitchFamily="18" charset="0"/>
+              </a:rPr>
+              <a:t>d(b) không phải hàm nhân?</a:t>
+            </a:r>
+          </a:p>
+          <a:p>
+            <a:pPr marL="0" indent="0">
+              <a:buNone/>
+            </a:pPr>
+            <a:r>
+              <a:rPr lang="vi-VN" sz="2800" b="1">
+                <a:solidFill>
+                  <a:srgbClr val="0070C0"/>
+                </a:solidFill>
+                <a:latin typeface="Cambria Math" pitchFamily="18" charset="0"/>
+                <a:ea typeface="Cambria Math" pitchFamily="18" charset="0"/>
+              </a:rPr>
+              <a:t>-&gt; Tính trực tiếp nghiệm riêng và nghiệm thuần nhất.</a:t>
+            </a:r>
+            <a:endParaRPr lang="en-US" b="1" dirty="0">
+              <a:solidFill>
+                <a:schemeClr val="tx1">
+                  <a:lumMod val="65000"/>
+                  <a:lumOff val="35000"/>
+                </a:schemeClr>
+              </a:solidFill>
+              <a:latin typeface="Cambria Math" pitchFamily="18" charset="0"/>
+              <a:ea typeface="Cambria Math" pitchFamily="18" charset="0"/>
+            </a:endParaRPr>
+          </a:p>
+        </p:txBody>
+      </p:sp>
+    </p:spTree>
+    <p:extLst>
+      <p:ext uri="{BB962C8B-B14F-4D97-AF65-F5344CB8AC3E}">
+        <p14:creationId xmlns:p14="http://schemas.microsoft.com/office/powerpoint/2010/main" val="3650831678"/>
+      </p:ext>
+    </p:extLst>
+  </p:cSld>
+  <p:clrMapOvr>
+    <a:masterClrMapping/>
+  </p:clrMapOvr>
+</p:sld>
+</file>
+
+<file path=ppt/slides/slide16.xml><?xml version="1.0" encoding="utf-8"?>
+<p:sld xmlns:a="http://schemas.openxmlformats.org/drawingml/2006/main" xmlns:r="http://schemas.openxmlformats.org/officeDocument/2006/relationships" xmlns:p="http://schemas.openxmlformats.org/presentationml/2006/main">
+  <p:cSld>
+    <p:spTree>
+      <p:nvGrpSpPr>
+        <p:cNvPr id="1" name=""/>
+        <p:cNvGrpSpPr/>
+        <p:nvPr/>
+      </p:nvGrpSpPr>
+      <p:grpSpPr>
+        <a:xfrm>
+          <a:off x="0" y="0"/>
+          <a:ext cx="0" cy="0"/>
+          <a:chOff x="0" y="0"/>
+          <a:chExt cx="0" cy="0"/>
+        </a:xfrm>
+      </p:grpSpPr>
+      <p:sp>
+        <p:nvSpPr>
           <p:cNvPr id="7" name="Title 6"/>
           <p:cNvSpPr>
             <a:spLocks noGrp="1"/>
@@ -10266,7 +10555,7 @@
 </p:sld>
 </file>
 
-<file path=ppt/slides/slide16.xml><?xml version="1.0" encoding="utf-8"?>
+<file path=ppt/slides/slide17.xml><?xml version="1.0" encoding="utf-8"?>
 <p:sld xmlns:a="http://schemas.openxmlformats.org/drawingml/2006/main" xmlns:r="http://schemas.openxmlformats.org/officeDocument/2006/relationships" xmlns:p="http://schemas.openxmlformats.org/presentationml/2006/main">
   <p:cSld>
     <p:spTree>
@@ -10328,7 +10617,7 @@
 </p:sld>
 </file>
 
-<file path=ppt/slides/slide17.xml><?xml version="1.0" encoding="utf-8"?>
+<file path=ppt/slides/slide18.xml><?xml version="1.0" encoding="utf-8"?>
 <p:sld xmlns:a="http://schemas.openxmlformats.org/drawingml/2006/main" xmlns:r="http://schemas.openxmlformats.org/officeDocument/2006/relationships" xmlns:p="http://schemas.openxmlformats.org/presentationml/2006/main">
   <p:cSld>
     <p:spTree>
@@ -10564,8 +10853,8 @@
           </a:p>
         </p:txBody>
       </p:sp>
-      <mc:AlternateContent xmlns:mc="http://schemas.openxmlformats.org/markup-compatibility/2006">
-        <mc:Choice xmlns:a14="http://schemas.microsoft.com/office/drawing/2010/main" Requires="a14">
+      <mc:AlternateContent xmlns:mc="http://schemas.openxmlformats.org/markup-compatibility/2006" xmlns:a14="http://schemas.microsoft.com/office/drawing/2010/main">
+        <mc:Choice Requires="a14">
           <p:sp>
             <p:nvSpPr>
               <p:cNvPr id="5" name="Content Placeholder 2">
@@ -11046,7 +11335,7 @@
             </p:txBody>
           </p:sp>
         </mc:Choice>
-        <mc:Fallback>
+        <mc:Fallback xmlns="">
           <p:sp>
             <p:nvSpPr>
               <p:cNvPr id="5" name="Content Placeholder 2">
@@ -12260,8 +12549,8 @@
           </a:p>
         </p:txBody>
       </p:sp>
-      <mc:AlternateContent xmlns:mc="http://schemas.openxmlformats.org/markup-compatibility/2006">
-        <mc:Choice xmlns:a14="http://schemas.microsoft.com/office/drawing/2010/main" Requires="a14">
+      <mc:AlternateContent xmlns:mc="http://schemas.openxmlformats.org/markup-compatibility/2006" xmlns:a14="http://schemas.microsoft.com/office/drawing/2010/main">
+        <mc:Choice Requires="a14">
           <p:sp>
             <p:nvSpPr>
               <p:cNvPr id="3" name="Content Placeholder 2"/>
@@ -12317,7 +12606,13 @@
                               <a:rPr lang="en-US" b="0" i="1" smtClean="0">
                                 <a:latin typeface="Cambria Math"/>
                               </a:rPr>
-                              <m:t>1 </m:t>
+                              <m:t>1</m:t>
+                            </m:r>
+                            <m:r>
+                              <a:rPr lang="en-US" b="0" i="1" smtClean="0">
+                                <a:latin typeface="Cambria Math"/>
+                              </a:rPr>
+                              <m:t> </m:t>
                             </m:r>
                             <m:r>
                               <a:rPr lang="en-US" b="0" i="1" smtClean="0">
@@ -12353,7 +12648,13 @@
                               <a:rPr lang="en-US" b="0" i="1" smtClean="0">
                                 <a:latin typeface="Cambria Math"/>
                               </a:rPr>
-                              <m:t>=0</m:t>
+                              <m:t>=</m:t>
+                            </m:r>
+                            <m:r>
+                              <a:rPr lang="en-US" b="0" i="1" smtClean="0">
+                                <a:latin typeface="Cambria Math"/>
+                              </a:rPr>
+                              <m:t>0</m:t>
                             </m:r>
                           </m:e>
                           <m:e>
@@ -12382,7 +12683,13 @@
                                   <a:rPr lang="en-US" b="0" i="1" smtClean="0">
                                     <a:latin typeface="Cambria Math"/>
                                   </a:rPr>
-                                  <m:t>−1</m:t>
+                                  <m:t>−</m:t>
+                                </m:r>
+                                <m:r>
+                                  <a:rPr lang="en-US" b="0" i="1" smtClean="0">
+                                    <a:latin typeface="Cambria Math"/>
+                                  </a:rPr>
+                                  <m:t>1</m:t>
                                 </m:r>
                               </m:e>
                             </m:d>
@@ -12407,7 +12714,7 @@
             </p:txBody>
           </p:sp>
         </mc:Choice>
-        <mc:Fallback>
+        <mc:Fallback xmlns="">
           <p:sp>
             <p:nvSpPr>
               <p:cNvPr id="3" name="Content Placeholder 2"/>
@@ -12504,8 +12811,8 @@
           </a:prstGeom>
         </p:spPr>
       </p:pic>
-      <mc:AlternateContent xmlns:mc="http://schemas.openxmlformats.org/markup-compatibility/2006">
-        <mc:Choice xmlns:a14="http://schemas.microsoft.com/office/drawing/2010/main" Requires="a14">
+      <mc:AlternateContent xmlns:mc="http://schemas.openxmlformats.org/markup-compatibility/2006" xmlns:a14="http://schemas.microsoft.com/office/drawing/2010/main">
+        <mc:Choice Requires="a14">
           <p:sp>
             <p:nvSpPr>
               <p:cNvPr id="6" name="Content Placeholder 2">
@@ -13467,7 +13774,7 @@
                           <m:e>
                             <m:r>
                               <a:rPr lang="en-US" sz="2000" b="1" i="1" kern="0" smtClean="0">
-                                <a:latin typeface="Cambria Math" pitchFamily="18" charset="0"/>
+                                <a:latin typeface="Cambria Math" panose="02040503050406030204" pitchFamily="18" charset="0"/>
                                 <a:ea typeface="Cambria Math" pitchFamily="18" charset="0"/>
                               </a:rPr>
                               <m:t>𝑻</m:t>
@@ -13646,7 +13953,7 @@
             </p:txBody>
           </p:sp>
         </mc:Choice>
-        <mc:Fallback>
+        <mc:Fallback xmlns="">
           <p:sp>
             <p:nvSpPr>
               <p:cNvPr id="6" name="Content Placeholder 2">
@@ -13851,8 +14158,8 @@
           </a:p>
         </p:txBody>
       </p:sp>
-      <mc:AlternateContent xmlns:mc="http://schemas.openxmlformats.org/markup-compatibility/2006">
-        <mc:Choice xmlns:a14="http://schemas.microsoft.com/office/drawing/2010/main" Requires="a14">
+      <mc:AlternateContent xmlns:mc="http://schemas.openxmlformats.org/markup-compatibility/2006" xmlns:a14="http://schemas.microsoft.com/office/drawing/2010/main">
+        <mc:Choice Requires="a14">
           <p:sp>
             <p:nvSpPr>
               <p:cNvPr id="3" name="Content Placeholder 2"/>
@@ -14114,7 +14421,7 @@
             </p:txBody>
           </p:sp>
         </mc:Choice>
-        <mc:Fallback>
+        <mc:Fallback xmlns="">
           <p:sp>
             <p:nvSpPr>
               <p:cNvPr id="3" name="Content Placeholder 2"/>

--- a/CS112_Group2.pptx
+++ b/CS112_Group2.pptx
@@ -5,7 +5,7 @@
     <p:sldMasterId id="2147483708" r:id="rId1"/>
   </p:sldMasterIdLst>
   <p:notesMasterIdLst>
-    <p:notesMasterId r:id="rId20"/>
+    <p:notesMasterId r:id="rId21"/>
   </p:notesMasterIdLst>
   <p:sldIdLst>
     <p:sldId id="256" r:id="rId2"/>
@@ -26,6 +26,7 @@
     <p:sldId id="260" r:id="rId17"/>
     <p:sldId id="272" r:id="rId18"/>
     <p:sldId id="274" r:id="rId19"/>
+    <p:sldId id="276" r:id="rId20"/>
   </p:sldIdLst>
   <p:sldSz cx="9144000" cy="6858000" type="screen4x3"/>
   <p:notesSz cx="6858000" cy="9144000"/>
@@ -147,6 +148,7 @@
             <p14:sldId id="260"/>
             <p14:sldId id="272"/>
             <p14:sldId id="274"/>
+            <p14:sldId id="276"/>
           </p14:sldIdLst>
         </p14:section>
       </p14:sectionLst>
@@ -277,7 +279,7 @@
           <a:p>
             <a:fld id="{54E49A39-F842-424B-8FAA-05374F36CBAB}" type="datetimeFigureOut">
               <a:rPr lang="en-US" smtClean="0"/>
-              <a:t>3/23/2021</a:t>
+              <a:t>5/25/2021</a:t>
             </a:fld>
             <a:endParaRPr lang="en-US"/>
           </a:p>
@@ -1097,7 +1099,7 @@
           <a:p>
             <a:fld id="{06D6F86B-E3C3-428D-BE8E-77D791D87B59}" type="datetimeFigureOut">
               <a:rPr lang="en-US" smtClean="0"/>
-              <a:t>3/23/2021</a:t>
+              <a:t>5/25/2021</a:t>
             </a:fld>
             <a:endParaRPr lang="en-US"/>
           </a:p>
@@ -1285,7 +1287,7 @@
           <a:p>
             <a:fld id="{06D6F86B-E3C3-428D-BE8E-77D791D87B59}" type="datetimeFigureOut">
               <a:rPr lang="en-US" smtClean="0"/>
-              <a:t>3/23/2021</a:t>
+              <a:t>5/25/2021</a:t>
             </a:fld>
             <a:endParaRPr lang="en-US"/>
           </a:p>
@@ -1483,7 +1485,7 @@
           <a:p>
             <a:fld id="{06D6F86B-E3C3-428D-BE8E-77D791D87B59}" type="datetimeFigureOut">
               <a:rPr lang="en-US" smtClean="0"/>
-              <a:t>3/23/2021</a:t>
+              <a:t>5/25/2021</a:t>
             </a:fld>
             <a:endParaRPr lang="en-US"/>
           </a:p>
@@ -1671,7 +1673,7 @@
           <a:p>
             <a:fld id="{06D6F86B-E3C3-428D-BE8E-77D791D87B59}" type="datetimeFigureOut">
               <a:rPr lang="en-US" smtClean="0"/>
-              <a:t>3/23/2021</a:t>
+              <a:t>5/25/2021</a:t>
             </a:fld>
             <a:endParaRPr lang="en-US"/>
           </a:p>
@@ -1881,7 +1883,7 @@
           <a:p>
             <a:fld id="{06D6F86B-E3C3-428D-BE8E-77D791D87B59}" type="datetimeFigureOut">
               <a:rPr lang="en-US" smtClean="0"/>
-              <a:t>3/23/2021</a:t>
+              <a:t>5/25/2021</a:t>
             </a:fld>
             <a:endParaRPr lang="en-US"/>
           </a:p>
@@ -2187,7 +2189,7 @@
           <a:p>
             <a:fld id="{06D6F86B-E3C3-428D-BE8E-77D791D87B59}" type="datetimeFigureOut">
               <a:rPr lang="en-US" smtClean="0"/>
-              <a:t>3/23/2021</a:t>
+              <a:t>5/25/2021</a:t>
             </a:fld>
             <a:endParaRPr lang="en-US"/>
           </a:p>
@@ -2627,7 +2629,7 @@
           <a:p>
             <a:fld id="{06D6F86B-E3C3-428D-BE8E-77D791D87B59}" type="datetimeFigureOut">
               <a:rPr lang="en-US" smtClean="0"/>
-              <a:t>3/23/2021</a:t>
+              <a:t>5/25/2021</a:t>
             </a:fld>
             <a:endParaRPr lang="en-US"/>
           </a:p>
@@ -2763,7 +2765,7 @@
           <a:p>
             <a:fld id="{06D6F86B-E3C3-428D-BE8E-77D791D87B59}" type="datetimeFigureOut">
               <a:rPr lang="en-US" smtClean="0"/>
-              <a:t>3/23/2021</a:t>
+              <a:t>5/25/2021</a:t>
             </a:fld>
             <a:endParaRPr lang="en-US"/>
           </a:p>
@@ -2876,7 +2878,7 @@
           <a:p>
             <a:fld id="{06D6F86B-E3C3-428D-BE8E-77D791D87B59}" type="datetimeFigureOut">
               <a:rPr lang="en-US" smtClean="0"/>
-              <a:t>3/23/2021</a:t>
+              <a:t>5/25/2021</a:t>
             </a:fld>
             <a:endParaRPr lang="en-US"/>
           </a:p>
@@ -3171,7 +3173,7 @@
           <a:p>
             <a:fld id="{06D6F86B-E3C3-428D-BE8E-77D791D87B59}" type="datetimeFigureOut">
               <a:rPr lang="en-US" smtClean="0"/>
-              <a:t>3/23/2021</a:t>
+              <a:t>5/25/2021</a:t>
             </a:fld>
             <a:endParaRPr lang="en-US"/>
           </a:p>
@@ -3447,7 +3449,7 @@
           <a:p>
             <a:fld id="{06D6F86B-E3C3-428D-BE8E-77D791D87B59}" type="datetimeFigureOut">
               <a:rPr lang="en-US" smtClean="0"/>
-              <a:t>3/23/2021</a:t>
+              <a:t>5/25/2021</a:t>
             </a:fld>
             <a:endParaRPr lang="en-US"/>
           </a:p>
@@ -3734,7 +3736,7 @@
           <a:p>
             <a:fld id="{06D6F86B-E3C3-428D-BE8E-77D791D87B59}" type="datetimeFigureOut">
               <a:rPr lang="en-US" smtClean="0"/>
-              <a:t>3/23/2021</a:t>
+              <a:t>5/25/2021</a:t>
             </a:fld>
             <a:endParaRPr lang="en-US"/>
           </a:p>
@@ -5152,14 +5154,7 @@
                             <a:latin typeface="Cambria Math"/>
                             <a:ea typeface="Cambria Math" pitchFamily="18" charset="0"/>
                           </a:rPr>
-                          <m:t>=</m:t>
-                        </m:r>
-                        <m:r>
-                          <a:rPr lang="en-US" sz="2800" b="0" i="1" smtClean="0">
-                            <a:latin typeface="Cambria Math"/>
-                            <a:ea typeface="Cambria Math" pitchFamily="18" charset="0"/>
-                          </a:rPr>
-                          <m:t>0</m:t>
+                          <m:t>=0</m:t>
                         </m:r>
                       </m:sub>
                       <m:sup>
@@ -5175,14 +5170,7 @@
                             <a:latin typeface="Cambria Math"/>
                             <a:ea typeface="Cambria Math" pitchFamily="18" charset="0"/>
                           </a:rPr>
-                          <m:t>−</m:t>
-                        </m:r>
-                        <m:r>
-                          <a:rPr lang="en-US" sz="2800" b="0" i="1" smtClean="0">
-                            <a:latin typeface="Cambria Math"/>
-                            <a:ea typeface="Cambria Math" pitchFamily="18" charset="0"/>
-                          </a:rPr>
-                          <m:t>1</m:t>
+                          <m:t>−1</m:t>
                         </m:r>
                       </m:sup>
                       <m:e>
@@ -5325,14 +5313,7 @@
                             <a:latin typeface="Cambria Math"/>
                             <a:ea typeface="Cambria Math" pitchFamily="18" charset="0"/>
                           </a:rPr>
-                          <m:t>=</m:t>
-                        </m:r>
-                        <m:r>
-                          <a:rPr lang="en-US" sz="2800" b="0" i="1" dirty="0" smtClean="0">
-                            <a:latin typeface="Cambria Math"/>
-                            <a:ea typeface="Cambria Math" pitchFamily="18" charset="0"/>
-                          </a:rPr>
-                          <m:t>0</m:t>
+                          <m:t>=0</m:t>
                         </m:r>
                       </m:sub>
                       <m:sup>
@@ -5348,14 +5329,7 @@
                             <a:latin typeface="Cambria Math"/>
                             <a:ea typeface="Cambria Math" pitchFamily="18" charset="0"/>
                           </a:rPr>
-                          <m:t>−</m:t>
-                        </m:r>
-                        <m:r>
-                          <a:rPr lang="en-US" sz="2800" b="0" i="1" dirty="0" smtClean="0">
-                            <a:latin typeface="Cambria Math"/>
-                            <a:ea typeface="Cambria Math" pitchFamily="18" charset="0"/>
-                          </a:rPr>
-                          <m:t>1</m:t>
+                          <m:t>−1</m:t>
                         </m:r>
                       </m:sup>
                       <m:e>
@@ -5519,14 +5493,7 @@
                             <a:latin typeface="Cambria Math"/>
                             <a:ea typeface="Cambria Math" pitchFamily="18" charset="0"/>
                           </a:rPr>
-                          <m:t>=</m:t>
-                        </m:r>
-                        <m:r>
-                          <a:rPr lang="en-US" sz="2800" b="0" i="1" dirty="0" smtClean="0">
-                            <a:latin typeface="Cambria Math"/>
-                            <a:ea typeface="Cambria Math" pitchFamily="18" charset="0"/>
-                          </a:rPr>
-                          <m:t>0</m:t>
+                          <m:t>=0</m:t>
                         </m:r>
                       </m:sub>
                       <m:sup>
@@ -5542,14 +5509,7 @@
                             <a:latin typeface="Cambria Math"/>
                             <a:ea typeface="Cambria Math" pitchFamily="18" charset="0"/>
                           </a:rPr>
-                          <m:t>−</m:t>
-                        </m:r>
-                        <m:r>
-                          <a:rPr lang="en-US" sz="2800" b="0" i="1" dirty="0" smtClean="0">
-                            <a:latin typeface="Cambria Math"/>
-                            <a:ea typeface="Cambria Math" pitchFamily="18" charset="0"/>
-                          </a:rPr>
-                          <m:t>1</m:t>
+                          <m:t>−1</m:t>
                         </m:r>
                       </m:sup>
                       <m:e>
@@ -7175,17 +7135,7 @@
                             <a:latin typeface="Cambria Math"/>
                             <a:ea typeface="Cambria Math" pitchFamily="18" charset="0"/>
                           </a:rPr>
-                          <m:t>=</m:t>
-                        </m:r>
-                        <m:r>
-                          <a:rPr lang="en-US" b="0" i="1" smtClean="0">
-                            <a:solidFill>
-                              <a:schemeClr val="tx1"/>
-                            </a:solidFill>
-                            <a:latin typeface="Cambria Math"/>
-                            <a:ea typeface="Cambria Math" pitchFamily="18" charset="0"/>
-                          </a:rPr>
-                          <m:t>0</m:t>
+                          <m:t>=0</m:t>
                         </m:r>
                       </m:sub>
                       <m:sup>
@@ -7207,17 +7157,7 @@
                             <a:latin typeface="Cambria Math"/>
                             <a:ea typeface="Cambria Math" pitchFamily="18" charset="0"/>
                           </a:rPr>
-                          <m:t>−</m:t>
-                        </m:r>
-                        <m:r>
-                          <a:rPr lang="en-US" b="0" i="1" smtClean="0">
-                            <a:solidFill>
-                              <a:schemeClr val="tx1"/>
-                            </a:solidFill>
-                            <a:latin typeface="Cambria Math"/>
-                            <a:ea typeface="Cambria Math" pitchFamily="18" charset="0"/>
-                          </a:rPr>
-                          <m:t>1</m:t>
+                          <m:t>−1</m:t>
                         </m:r>
                       </m:sup>
                       <m:e>
@@ -7408,17 +7348,7 @@
                                 <a:latin typeface="Cambria Math"/>
                                 <a:ea typeface="Cambria Math" pitchFamily="18" charset="0"/>
                               </a:rPr>
-                              <m:t>=</m:t>
-                            </m:r>
-                            <m:r>
-                              <a:rPr lang="en-US" i="1" dirty="0">
-                                <a:solidFill>
-                                  <a:schemeClr val="tx1"/>
-                                </a:solidFill>
-                                <a:latin typeface="Cambria Math"/>
-                                <a:ea typeface="Cambria Math" pitchFamily="18" charset="0"/>
-                              </a:rPr>
-                              <m:t>0</m:t>
+                              <m:t>=0</m:t>
                             </m:r>
                           </m:sub>
                           <m:sup>
@@ -7440,17 +7370,7 @@
                                 <a:latin typeface="Cambria Math"/>
                                 <a:ea typeface="Cambria Math" pitchFamily="18" charset="0"/>
                               </a:rPr>
-                              <m:t>−</m:t>
-                            </m:r>
-                            <m:r>
-                              <a:rPr lang="en-US" i="1" dirty="0">
-                                <a:solidFill>
-                                  <a:schemeClr val="tx1"/>
-                                </a:solidFill>
-                                <a:latin typeface="Cambria Math"/>
-                                <a:ea typeface="Cambria Math" pitchFamily="18" charset="0"/>
-                              </a:rPr>
-                              <m:t>1</m:t>
+                              <m:t>−1</m:t>
                             </m:r>
                           </m:sup>
                           <m:e>
@@ -7719,17 +7639,7 @@
                             <a:latin typeface="Cambria Math"/>
                             <a:ea typeface="Cambria Math" pitchFamily="18" charset="0"/>
                           </a:rPr>
-                          <m:t>=</m:t>
-                        </m:r>
-                        <m:r>
-                          <a:rPr lang="en-US" b="0" i="1" dirty="0" smtClean="0">
-                            <a:solidFill>
-                              <a:schemeClr val="tx1"/>
-                            </a:solidFill>
-                            <a:latin typeface="Cambria Math"/>
-                            <a:ea typeface="Cambria Math" pitchFamily="18" charset="0"/>
-                          </a:rPr>
-                          <m:t>0</m:t>
+                          <m:t>=0</m:t>
                         </m:r>
                       </m:sub>
                       <m:sup>
@@ -7751,17 +7661,7 @@
                             <a:latin typeface="Cambria Math"/>
                             <a:ea typeface="Cambria Math" pitchFamily="18" charset="0"/>
                           </a:rPr>
-                          <m:t>−</m:t>
-                        </m:r>
-                        <m:r>
-                          <a:rPr lang="en-US" b="0" i="1" dirty="0" smtClean="0">
-                            <a:solidFill>
-                              <a:schemeClr val="tx1"/>
-                            </a:solidFill>
-                            <a:latin typeface="Cambria Math"/>
-                            <a:ea typeface="Cambria Math" pitchFamily="18" charset="0"/>
-                          </a:rPr>
-                          <m:t>1</m:t>
+                          <m:t>−1</m:t>
                         </m:r>
                       </m:sup>
                       <m:e>
@@ -8110,17 +8010,7 @@
                             <a:latin typeface="Cambria Math"/>
                             <a:ea typeface="Cambria Math" pitchFamily="18" charset="0"/>
                           </a:rPr>
-                          <m:t>−</m:t>
-                        </m:r>
-                        <m:r>
-                          <a:rPr lang="en-US" b="0" i="1" smtClean="0">
-                            <a:solidFill>
-                              <a:schemeClr val="tx1"/>
-                            </a:solidFill>
-                            <a:latin typeface="Cambria Math"/>
-                            <a:ea typeface="Cambria Math" pitchFamily="18" charset="0"/>
-                          </a:rPr>
-                          <m:t>1</m:t>
+                          <m:t>−1</m:t>
                         </m:r>
                       </m:den>
                     </m:f>
@@ -9225,17 +9115,7 @@
                               <a:latin typeface="Cambria Math"/>
                               <a:ea typeface="Cambria Math" pitchFamily="18" charset="0"/>
                             </a:rPr>
-                            <m:t>=</m:t>
-                          </m:r>
-                          <m:r>
-                            <a:rPr lang="en-US" sz="2400" b="0" i="1" smtClean="0">
-                              <a:solidFill>
-                                <a:schemeClr val="tx1"/>
-                              </a:solidFill>
-                              <a:latin typeface="Cambria Math"/>
-                              <a:ea typeface="Cambria Math" pitchFamily="18" charset="0"/>
-                            </a:rPr>
-                            <m:t>0</m:t>
+                            <m:t>=0</m:t>
                           </m:r>
                         </m:sub>
                         <m:sup>
@@ -9257,17 +9137,7 @@
                               <a:latin typeface="Cambria Math"/>
                               <a:ea typeface="Cambria Math" pitchFamily="18" charset="0"/>
                             </a:rPr>
-                            <m:t>−</m:t>
-                          </m:r>
-                          <m:r>
-                            <a:rPr lang="en-US" sz="2400" b="0" i="1" smtClean="0">
-                              <a:solidFill>
-                                <a:schemeClr val="tx1"/>
-                              </a:solidFill>
-                              <a:latin typeface="Cambria Math"/>
-                              <a:ea typeface="Cambria Math" pitchFamily="18" charset="0"/>
-                            </a:rPr>
-                            <m:t>1</m:t>
+                            <m:t>−1</m:t>
                           </m:r>
                         </m:sup>
                         <m:e>
@@ -9435,17 +9305,7 @@
                                   <a:latin typeface="Cambria Math"/>
                                   <a:ea typeface="Cambria Math" pitchFamily="18" charset="0"/>
                                 </a:rPr>
-                                <m:t>=</m:t>
-                              </m:r>
-                              <m:r>
-                                <a:rPr lang="en-US" sz="2400" b="0" i="1" smtClean="0">
-                                  <a:solidFill>
-                                    <a:schemeClr val="tx1"/>
-                                  </a:solidFill>
-                                  <a:latin typeface="Cambria Math"/>
-                                  <a:ea typeface="Cambria Math" pitchFamily="18" charset="0"/>
-                                </a:rPr>
-                                <m:t>0</m:t>
+                                <m:t>=0</m:t>
                               </m:r>
                             </m:sub>
                             <m:sup>
@@ -9467,17 +9327,7 @@
                                   <a:latin typeface="Cambria Math"/>
                                   <a:ea typeface="Cambria Math" pitchFamily="18" charset="0"/>
                                 </a:rPr>
-                                <m:t>−</m:t>
-                              </m:r>
-                              <m:r>
-                                <a:rPr lang="en-US" sz="2400" b="0" i="1" smtClean="0">
-                                  <a:solidFill>
-                                    <a:schemeClr val="tx1"/>
-                                  </a:solidFill>
-                                  <a:latin typeface="Cambria Math"/>
-                                  <a:ea typeface="Cambria Math" pitchFamily="18" charset="0"/>
-                                </a:rPr>
-                                <m:t>1</m:t>
+                                <m:t>−1</m:t>
                               </m:r>
                             </m:sup>
                             <m:e>
@@ -9749,17 +9599,7 @@
                                       <a:latin typeface="Cambria Math"/>
                                       <a:ea typeface="Cambria Math" pitchFamily="18" charset="0"/>
                                     </a:rPr>
-                                    <m:t>=</m:t>
-                                  </m:r>
-                                  <m:r>
-                                    <a:rPr lang="en-US" sz="2400" b="0" i="1" smtClean="0">
-                                      <a:solidFill>
-                                        <a:schemeClr val="tx1"/>
-                                      </a:solidFill>
-                                      <a:latin typeface="Cambria Math"/>
-                                      <a:ea typeface="Cambria Math" pitchFamily="18" charset="0"/>
-                                    </a:rPr>
-                                    <m:t>0</m:t>
+                                    <m:t>=0</m:t>
                                   </m:r>
                                 </m:sub>
                                 <m:sup>
@@ -9781,17 +9621,7 @@
                                       <a:latin typeface="Cambria Math"/>
                                       <a:ea typeface="Cambria Math" pitchFamily="18" charset="0"/>
                                     </a:rPr>
-                                    <m:t>−</m:t>
-                                  </m:r>
-                                  <m:r>
-                                    <a:rPr lang="en-US" sz="2400" b="0" i="1" smtClean="0">
-                                      <a:solidFill>
-                                        <a:schemeClr val="tx1"/>
-                                      </a:solidFill>
-                                      <a:latin typeface="Cambria Math"/>
-                                      <a:ea typeface="Cambria Math" pitchFamily="18" charset="0"/>
-                                    </a:rPr>
-                                    <m:t>1</m:t>
+                                    <m:t>−1</m:t>
                                   </m:r>
                                 </m:sup>
                                 <m:e>
@@ -11140,14 +10970,7 @@
                                     <a:latin typeface="Cambria Math" panose="02040503050406030204" pitchFamily="18" charset="0"/>
                                     <a:ea typeface="Cambria Math" pitchFamily="18" charset="0"/>
                                   </a:rPr>
-                                  <m:t>/</m:t>
-                                </m:r>
-                                <m:r>
-                                  <a:rPr lang="en-US" sz="2400" b="0" i="1" kern="0" smtClean="0">
-                                    <a:latin typeface="Cambria Math" panose="02040503050406030204" pitchFamily="18" charset="0"/>
-                                    <a:ea typeface="Cambria Math" pitchFamily="18" charset="0"/>
-                                  </a:rPr>
-                                  <m:t>2</m:t>
+                                  <m:t>/2</m:t>
                                 </m:r>
                               </m:e>
                             </m:d>
@@ -11291,14 +11114,7 @@
                             <a:latin typeface="Cambria Math"/>
                             <a:ea typeface="Cambria Math" pitchFamily="18" charset="0"/>
                           </a:rPr>
-                          <m:t> =</m:t>
-                        </m:r>
-                        <m:r>
-                          <a:rPr lang="en-US" sz="2400" b="0" i="1" kern="0" smtClean="0">
-                            <a:latin typeface="Cambria Math" panose="02040503050406030204" pitchFamily="18" charset="0"/>
-                            <a:ea typeface="Cambria Math" pitchFamily="18" charset="0"/>
-                          </a:rPr>
-                          <m:t>1</m:t>
+                          <m:t> =1</m:t>
                         </m:r>
                       </m:num>
                       <m:den>
@@ -11314,14 +11130,7 @@
                             <a:latin typeface="Cambria Math"/>
                             <a:ea typeface="Cambria Math" pitchFamily="18" charset="0"/>
                           </a:rPr>
-                          <m:t> &gt;</m:t>
-                        </m:r>
-                        <m:r>
-                          <a:rPr lang="en-US" sz="2400" b="0" i="1" kern="0" smtClean="0">
-                            <a:latin typeface="Cambria Math" panose="02040503050406030204" pitchFamily="18" charset="0"/>
-                            <a:ea typeface="Cambria Math" pitchFamily="18" charset="0"/>
-                          </a:rPr>
-                          <m:t>1</m:t>
+                          <m:t> &gt;1</m:t>
                         </m:r>
                       </m:den>
                     </m:f>
@@ -11406,6 +11215,132 @@
     <p:extLst>
       <p:ext uri="{BB962C8B-B14F-4D97-AF65-F5344CB8AC3E}">
         <p14:creationId xmlns:p14="http://schemas.microsoft.com/office/powerpoint/2010/main" val="601785302"/>
+      </p:ext>
+    </p:extLst>
+  </p:cSld>
+  <p:clrMapOvr>
+    <a:masterClrMapping/>
+  </p:clrMapOvr>
+</p:sld>
+</file>
+
+<file path=ppt/slides/slide19.xml><?xml version="1.0" encoding="utf-8"?>
+<p:sld xmlns:a="http://schemas.openxmlformats.org/drawingml/2006/main" xmlns:r="http://schemas.openxmlformats.org/officeDocument/2006/relationships" xmlns:p="http://schemas.openxmlformats.org/presentationml/2006/main">
+  <p:cSld>
+    <p:spTree>
+      <p:nvGrpSpPr>
+        <p:cNvPr id="1" name=""/>
+        <p:cNvGrpSpPr/>
+        <p:nvPr/>
+      </p:nvGrpSpPr>
+      <p:grpSpPr>
+        <a:xfrm>
+          <a:off x="0" y="0"/>
+          <a:ext cx="0" cy="0"/>
+          <a:chOff x="0" y="0"/>
+          <a:chExt cx="0" cy="0"/>
+        </a:xfrm>
+      </p:grpSpPr>
+      <p:sp>
+        <p:nvSpPr>
+          <p:cNvPr id="2" name="Title 1">
+            <a:extLst>
+              <a:ext uri="{FF2B5EF4-FFF2-40B4-BE49-F238E27FC236}">
+                <a16:creationId xmlns:a16="http://schemas.microsoft.com/office/drawing/2014/main" id="{FA2CE2EF-4D70-42FC-BAD2-832E65320628}"/>
+              </a:ext>
+            </a:extLst>
+          </p:cNvPr>
+          <p:cNvSpPr>
+            <a:spLocks noGrp="1"/>
+          </p:cNvSpPr>
+          <p:nvPr>
+            <p:ph type="title"/>
+          </p:nvPr>
+        </p:nvSpPr>
+        <p:spPr/>
+        <p:txBody>
+          <a:bodyPr/>
+          <a:lstStyle/>
+          <a:p>
+            <a:pPr algn="l"/>
+            <a:r>
+              <a:rPr lang="en-US"/>
+              <a:t>Reference</a:t>
+            </a:r>
+          </a:p>
+        </p:txBody>
+      </p:sp>
+      <p:sp>
+        <p:nvSpPr>
+          <p:cNvPr id="3" name="Content Placeholder 2">
+            <a:extLst>
+              <a:ext uri="{FF2B5EF4-FFF2-40B4-BE49-F238E27FC236}">
+                <a16:creationId xmlns:a16="http://schemas.microsoft.com/office/drawing/2014/main" id="{FF16F746-FDE1-4685-918E-C58D1D38A343}"/>
+              </a:ext>
+            </a:extLst>
+          </p:cNvPr>
+          <p:cNvSpPr>
+            <a:spLocks noGrp="1"/>
+          </p:cNvSpPr>
+          <p:nvPr>
+            <p:ph idx="1"/>
+          </p:nvPr>
+        </p:nvSpPr>
+        <p:spPr/>
+        <p:txBody>
+          <a:bodyPr/>
+          <a:lstStyle/>
+          <a:p>
+            <a:r>
+              <a:rPr lang="en-US" b="1" i="0">
+                <a:solidFill>
+                  <a:srgbClr val="7030A0"/>
+                </a:solidFill>
+                <a:effectLst/>
+                <a:latin typeface="Prumo Text"/>
+                <a:hlinkClick r:id="rId2">
+                  <a:extLst>
+                    <a:ext uri="{A12FA001-AC4F-418D-AE19-62706E023703}">
+                      <ahyp:hlinkClr xmlns:ahyp="http://schemas.microsoft.com/office/drawing/2018/hyperlinkcolor" val="tx"/>
+                    </a:ext>
+                  </a:extLst>
+                </a:hlinkClick>
+              </a:rPr>
+              <a:t>http://www.cit.ctu.edu.vn/~dtnghi/ctdl/dophuctap.pdf</a:t>
+            </a:r>
+            <a:endParaRPr lang="vi-VN" b="1" i="0">
+              <a:solidFill>
+                <a:srgbClr val="7030A0"/>
+              </a:solidFill>
+              <a:effectLst/>
+              <a:latin typeface="Prumo Text"/>
+            </a:endParaRPr>
+          </a:p>
+          <a:p>
+            <a:endParaRPr lang="en-US" b="1" i="0">
+              <a:solidFill>
+                <a:srgbClr val="040819"/>
+              </a:solidFill>
+              <a:effectLst/>
+              <a:latin typeface="Prumo Text"/>
+            </a:endParaRPr>
+          </a:p>
+          <a:p>
+            <a:r>
+              <a:rPr lang="en-US">
+                <a:solidFill>
+                  <a:srgbClr val="7030A0"/>
+                </a:solidFill>
+              </a:rPr>
+              <a:t>https://youtu.be/i6a9O0gTstw</a:t>
+            </a:r>
+          </a:p>
+        </p:txBody>
+      </p:sp>
+    </p:spTree>
+    <p:extLst>
+      <p:ext uri="{BB962C8B-B14F-4D97-AF65-F5344CB8AC3E}">
+        <p14:creationId xmlns:p14="http://schemas.microsoft.com/office/powerpoint/2010/main" val="790212369"/>
       </p:ext>
     </p:extLst>
   </p:cSld>
@@ -12606,13 +12541,7 @@
                               <a:rPr lang="en-US" b="0" i="1" smtClean="0">
                                 <a:latin typeface="Cambria Math"/>
                               </a:rPr>
-                              <m:t>1</m:t>
-                            </m:r>
-                            <m:r>
-                              <a:rPr lang="en-US" b="0" i="1" smtClean="0">
-                                <a:latin typeface="Cambria Math"/>
-                              </a:rPr>
-                              <m:t> </m:t>
+                              <m:t>1 </m:t>
                             </m:r>
                             <m:r>
                               <a:rPr lang="en-US" b="0" i="1" smtClean="0">
@@ -12648,13 +12577,7 @@
                               <a:rPr lang="en-US" b="0" i="1" smtClean="0">
                                 <a:latin typeface="Cambria Math"/>
                               </a:rPr>
-                              <m:t>=</m:t>
-                            </m:r>
-                            <m:r>
-                              <a:rPr lang="en-US" b="0" i="1" smtClean="0">
-                                <a:latin typeface="Cambria Math"/>
-                              </a:rPr>
-                              <m:t>0</m:t>
+                              <m:t>=0</m:t>
                             </m:r>
                           </m:e>
                           <m:e>
@@ -12683,13 +12606,7 @@
                                   <a:rPr lang="en-US" b="0" i="1" smtClean="0">
                                     <a:latin typeface="Cambria Math"/>
                                   </a:rPr>
-                                  <m:t>−</m:t>
-                                </m:r>
-                                <m:r>
-                                  <a:rPr lang="en-US" b="0" i="1" smtClean="0">
-                                    <a:latin typeface="Cambria Math"/>
-                                  </a:rPr>
-                                  <m:t>1</m:t>
+                                  <m:t>−1</m:t>
                                 </m:r>
                               </m:e>
                             </m:d>
@@ -14254,14 +14171,7 @@
                                     <a:latin typeface="Cambria Math"/>
                                     <a:ea typeface="Cambria Math" pitchFamily="18" charset="0"/>
                                   </a:rPr>
-                                  <m:t>−</m:t>
-                                </m:r>
-                                <m:r>
-                                  <a:rPr lang="en-US" b="0" i="1" smtClean="0">
-                                    <a:latin typeface="Cambria Math"/>
-                                    <a:ea typeface="Cambria Math" pitchFamily="18" charset="0"/>
-                                  </a:rPr>
-                                  <m:t>1</m:t>
+                                  <m:t>−1</m:t>
                                 </m:r>
                               </m:e>
                             </m:d>
@@ -14270,14 +14180,7 @@
                                 <a:latin typeface="Cambria Math"/>
                                 <a:ea typeface="Cambria Math" pitchFamily="18" charset="0"/>
                               </a:rPr>
-                              <m:t>+</m:t>
-                            </m:r>
-                            <m:r>
-                              <a:rPr lang="en-US" b="0" i="1" smtClean="0">
-                                <a:latin typeface="Cambria Math"/>
-                                <a:ea typeface="Cambria Math" pitchFamily="18" charset="0"/>
-                              </a:rPr>
-                              <m:t>1</m:t>
+                              <m:t>+1</m:t>
                             </m:r>
                           </m:e>
                         </m:eqArr>
@@ -14377,14 +14280,7 @@
                             <a:latin typeface="Cambria Math"/>
                             <a:ea typeface="Cambria Math" pitchFamily="18" charset="0"/>
                           </a:rPr>
-                          <m:t> = </m:t>
-                        </m:r>
-                        <m:r>
-                          <a:rPr lang="en-US" b="0" i="1" smtClean="0">
-                            <a:latin typeface="Cambria Math"/>
-                            <a:ea typeface="Cambria Math" pitchFamily="18" charset="0"/>
-                          </a:rPr>
-                          <m:t>0</m:t>
+                          <m:t> = 0</m:t>
                         </m:r>
                       </m:num>
                       <m:den>
@@ -14400,14 +14296,7 @@
                             <a:latin typeface="Cambria Math"/>
                             <a:ea typeface="Cambria Math" pitchFamily="18" charset="0"/>
                           </a:rPr>
-                          <m:t> &gt;</m:t>
-                        </m:r>
-                        <m:r>
-                          <a:rPr lang="en-US" b="0" i="1" smtClean="0">
-                            <a:latin typeface="Cambria Math"/>
-                            <a:ea typeface="Cambria Math" pitchFamily="18" charset="0"/>
-                          </a:rPr>
-                          <m:t>0</m:t>
+                          <m:t> &gt;0</m:t>
                         </m:r>
                       </m:den>
                     </m:f>
